--- a/fig/source_fig4_fresnel_scheme.pptx
+++ b/fig/source_fig4_fresnel_scheme.pptx
@@ -568,7 +568,7 @@
           <a:p>
             <a:fld id="{66DAB069-A705-474E-8682-6258B87ED281}" type="datetimeFigureOut">
               <a:rPr lang="en-GB" smtClean="0"/>
-              <a:t>11/11/2025</a:t>
+              <a:t>20/12/2025</a:t>
             </a:fld>
             <a:endParaRPr lang="en-GB"/>
           </a:p>
@@ -738,7 +738,7 @@
           <a:p>
             <a:fld id="{66DAB069-A705-474E-8682-6258B87ED281}" type="datetimeFigureOut">
               <a:rPr lang="en-GB" smtClean="0"/>
-              <a:t>11/11/2025</a:t>
+              <a:t>20/12/2025</a:t>
             </a:fld>
             <a:endParaRPr lang="en-GB"/>
           </a:p>
@@ -918,7 +918,7 @@
           <a:p>
             <a:fld id="{66DAB069-A705-474E-8682-6258B87ED281}" type="datetimeFigureOut">
               <a:rPr lang="en-GB" smtClean="0"/>
-              <a:t>11/11/2025</a:t>
+              <a:t>20/12/2025</a:t>
             </a:fld>
             <a:endParaRPr lang="en-GB"/>
           </a:p>
@@ -1088,7 +1088,7 @@
           <a:p>
             <a:fld id="{66DAB069-A705-474E-8682-6258B87ED281}" type="datetimeFigureOut">
               <a:rPr lang="en-GB" smtClean="0"/>
-              <a:t>11/11/2025</a:t>
+              <a:t>20/12/2025</a:t>
             </a:fld>
             <a:endParaRPr lang="en-GB"/>
           </a:p>
@@ -1334,7 +1334,7 @@
           <a:p>
             <a:fld id="{66DAB069-A705-474E-8682-6258B87ED281}" type="datetimeFigureOut">
               <a:rPr lang="en-GB" smtClean="0"/>
-              <a:t>11/11/2025</a:t>
+              <a:t>20/12/2025</a:t>
             </a:fld>
             <a:endParaRPr lang="en-GB"/>
           </a:p>
@@ -1566,7 +1566,7 @@
           <a:p>
             <a:fld id="{66DAB069-A705-474E-8682-6258B87ED281}" type="datetimeFigureOut">
               <a:rPr lang="en-GB" smtClean="0"/>
-              <a:t>11/11/2025</a:t>
+              <a:t>20/12/2025</a:t>
             </a:fld>
             <a:endParaRPr lang="en-GB"/>
           </a:p>
@@ -1933,7 +1933,7 @@
           <a:p>
             <a:fld id="{66DAB069-A705-474E-8682-6258B87ED281}" type="datetimeFigureOut">
               <a:rPr lang="en-GB" smtClean="0"/>
-              <a:t>11/11/2025</a:t>
+              <a:t>20/12/2025</a:t>
             </a:fld>
             <a:endParaRPr lang="en-GB"/>
           </a:p>
@@ -2051,7 +2051,7 @@
           <a:p>
             <a:fld id="{66DAB069-A705-474E-8682-6258B87ED281}" type="datetimeFigureOut">
               <a:rPr lang="en-GB" smtClean="0"/>
-              <a:t>11/11/2025</a:t>
+              <a:t>20/12/2025</a:t>
             </a:fld>
             <a:endParaRPr lang="en-GB"/>
           </a:p>
@@ -2146,7 +2146,7 @@
           <a:p>
             <a:fld id="{66DAB069-A705-474E-8682-6258B87ED281}" type="datetimeFigureOut">
               <a:rPr lang="en-GB" smtClean="0"/>
-              <a:t>11/11/2025</a:t>
+              <a:t>20/12/2025</a:t>
             </a:fld>
             <a:endParaRPr lang="en-GB"/>
           </a:p>
@@ -2423,7 +2423,7 @@
           <a:p>
             <a:fld id="{66DAB069-A705-474E-8682-6258B87ED281}" type="datetimeFigureOut">
               <a:rPr lang="en-GB" smtClean="0"/>
-              <a:t>11/11/2025</a:t>
+              <a:t>20/12/2025</a:t>
             </a:fld>
             <a:endParaRPr lang="en-GB"/>
           </a:p>
@@ -2680,7 +2680,7 @@
           <a:p>
             <a:fld id="{66DAB069-A705-474E-8682-6258B87ED281}" type="datetimeFigureOut">
               <a:rPr lang="en-GB" smtClean="0"/>
-              <a:t>11/11/2025</a:t>
+              <a:t>20/12/2025</a:t>
             </a:fld>
             <a:endParaRPr lang="en-GB"/>
           </a:p>
@@ -2893,7 +2893,7 @@
           <a:p>
             <a:fld id="{66DAB069-A705-474E-8682-6258B87ED281}" type="datetimeFigureOut">
               <a:rPr lang="en-GB" smtClean="0"/>
-              <a:t>11/11/2025</a:t>
+              <a:t>20/12/2025</a:t>
             </a:fld>
             <a:endParaRPr lang="en-GB"/>
           </a:p>
@@ -5224,6 +5224,159 @@
           </p:txBody>
         </p:sp>
       </p:grpSp>
+      <p:sp>
+        <p:nvSpPr>
+          <p:cNvPr id="3" name="Arc 2">
+            <a:extLst>
+              <a:ext uri="{FF2B5EF4-FFF2-40B4-BE49-F238E27FC236}">
+                <a16:creationId xmlns:a16="http://schemas.microsoft.com/office/drawing/2014/main" id="{F7DC5467-D068-46B8-C23B-75E53B00B37A}"/>
+              </a:ext>
+            </a:extLst>
+          </p:cNvPr>
+          <p:cNvSpPr/>
+          <p:nvPr/>
+        </p:nvSpPr>
+        <p:spPr>
+          <a:xfrm rot="20959634">
+            <a:off x="3948291" y="383470"/>
+            <a:ext cx="6717677" cy="8395328"/>
+          </a:xfrm>
+          <a:prstGeom prst="arc">
+            <a:avLst>
+              <a:gd name="adj1" fmla="val 16920336"/>
+              <a:gd name="adj2" fmla="val 509060"/>
+            </a:avLst>
+          </a:prstGeom>
+          <a:ln>
+            <a:headEnd type="none" w="med" len="med"/>
+            <a:tailEnd type="arrow" w="med" len="med"/>
+          </a:ln>
+        </p:spPr>
+        <p:style>
+          <a:lnRef idx="2">
+            <a:schemeClr val="accent1"/>
+          </a:lnRef>
+          <a:fillRef idx="0">
+            <a:schemeClr val="accent1"/>
+          </a:fillRef>
+          <a:effectRef idx="1">
+            <a:schemeClr val="accent1"/>
+          </a:effectRef>
+          <a:fontRef idx="minor">
+            <a:schemeClr val="tx1"/>
+          </a:fontRef>
+        </p:style>
+        <p:txBody>
+          <a:bodyPr rtlCol="0" anchor="ctr"/>
+          <a:lstStyle/>
+          <a:p>
+            <a:pPr algn="ctr"/>
+            <a:endParaRPr lang="en-GB"/>
+          </a:p>
+        </p:txBody>
+      </p:sp>
+      <p:sp>
+        <p:nvSpPr>
+          <p:cNvPr id="30" name="Arc 29">
+            <a:extLst>
+              <a:ext uri="{FF2B5EF4-FFF2-40B4-BE49-F238E27FC236}">
+                <a16:creationId xmlns:a16="http://schemas.microsoft.com/office/drawing/2014/main" id="{DDA1C9D8-1F7C-0A8C-5014-1EABBBDA6AC5}"/>
+              </a:ext>
+            </a:extLst>
+          </p:cNvPr>
+          <p:cNvSpPr/>
+          <p:nvPr/>
+        </p:nvSpPr>
+        <p:spPr>
+          <a:xfrm rot="12409223">
+            <a:off x="5019472" y="1905766"/>
+            <a:ext cx="4512713" cy="4341280"/>
+          </a:xfrm>
+          <a:prstGeom prst="arc">
+            <a:avLst>
+              <a:gd name="adj1" fmla="val 19266026"/>
+              <a:gd name="adj2" fmla="val 1819316"/>
+            </a:avLst>
+          </a:prstGeom>
+          <a:ln>
+            <a:headEnd type="none" w="med" len="med"/>
+            <a:tailEnd type="arrow" w="med" len="med"/>
+          </a:ln>
+        </p:spPr>
+        <p:style>
+          <a:lnRef idx="2">
+            <a:schemeClr val="accent1"/>
+          </a:lnRef>
+          <a:fillRef idx="0">
+            <a:schemeClr val="accent1"/>
+          </a:fillRef>
+          <a:effectRef idx="1">
+            <a:schemeClr val="accent1"/>
+          </a:effectRef>
+          <a:fontRef idx="minor">
+            <a:schemeClr val="tx1"/>
+          </a:fontRef>
+        </p:style>
+        <p:txBody>
+          <a:bodyPr rtlCol="0" anchor="ctr"/>
+          <a:lstStyle/>
+          <a:p>
+            <a:pPr algn="ctr"/>
+            <a:endParaRPr lang="en-GB"/>
+          </a:p>
+        </p:txBody>
+      </p:sp>
+      <p:sp>
+        <p:nvSpPr>
+          <p:cNvPr id="46" name="Arc 45">
+            <a:extLst>
+              <a:ext uri="{FF2B5EF4-FFF2-40B4-BE49-F238E27FC236}">
+                <a16:creationId xmlns:a16="http://schemas.microsoft.com/office/drawing/2014/main" id="{891D20B3-ABF8-DC16-F7F5-8AE05A67A625}"/>
+              </a:ext>
+            </a:extLst>
+          </p:cNvPr>
+          <p:cNvSpPr/>
+          <p:nvPr/>
+        </p:nvSpPr>
+        <p:spPr>
+          <a:xfrm rot="12409223">
+            <a:off x="3836391" y="-508406"/>
+            <a:ext cx="9122108" cy="10128516"/>
+          </a:xfrm>
+          <a:prstGeom prst="arc">
+            <a:avLst>
+              <a:gd name="adj1" fmla="val 19997599"/>
+              <a:gd name="adj2" fmla="val 1819316"/>
+            </a:avLst>
+          </a:prstGeom>
+          <a:ln>
+            <a:headEnd type="none" w="med" len="med"/>
+            <a:tailEnd type="arrow" w="med" len="med"/>
+          </a:ln>
+        </p:spPr>
+        <p:style>
+          <a:lnRef idx="2">
+            <a:schemeClr val="accent1"/>
+          </a:lnRef>
+          <a:fillRef idx="0">
+            <a:schemeClr val="accent1"/>
+          </a:fillRef>
+          <a:effectRef idx="1">
+            <a:schemeClr val="accent1"/>
+          </a:effectRef>
+          <a:fontRef idx="minor">
+            <a:schemeClr val="tx1"/>
+          </a:fontRef>
+        </p:style>
+        <p:txBody>
+          <a:bodyPr rtlCol="0" anchor="ctr"/>
+          <a:lstStyle/>
+          <a:p>
+            <a:pPr algn="ctr"/>
+            <a:endParaRPr lang="en-GB"/>
+          </a:p>
+        </p:txBody>
+      </p:sp>
     </p:spTree>
     <p:extLst>
       <p:ext uri="{BB962C8B-B14F-4D97-AF65-F5344CB8AC3E}">
